--- a/ppt/贾中昊_简历.pptx
+++ b/ppt/贾中昊_简历.pptx
@@ -3281,24 +3281,24 @@
           <a:lstStyle/>
           <a:p>
             <a:r>
-              <a:rPr lang="en-US" altLang="zh-CN" sz="1525" dirty="0">
+              <a:rPr lang="zh-CN" altLang="en-US" sz="1525" dirty="0">
                 <a:solidFill>
                   <a:schemeClr val="bg1"/>
                 </a:solidFill>
                 <a:latin typeface="黑体-简" panose="00000500000000000000" pitchFamily="2" charset="-122"/>
                 <a:ea typeface="黑体-简" panose="00000500000000000000" pitchFamily="2" charset="-122"/>
               </a:rPr>
-              <a:t>JAVA</a:t>
-            </a:r>
-            <a:r>
-              <a:rPr lang="zh-CN" altLang="zh-CN" sz="1525" dirty="0">
+              <a:t>机器学习</a:t>
+            </a:r>
+            <a:r>
+              <a:rPr lang="zh-CN" altLang="en-US" sz="1525" dirty="0">
                 <a:solidFill>
                   <a:schemeClr val="bg1"/>
                 </a:solidFill>
                 <a:latin typeface="黑体-简" panose="00000500000000000000" pitchFamily="2" charset="-122"/>
                 <a:ea typeface="黑体-简" panose="00000500000000000000" pitchFamily="2" charset="-122"/>
               </a:rPr>
-              <a:t>研发工程师</a:t>
+              <a:t>工程师</a:t>
             </a:r>
             <a:endParaRPr lang="zh-CN" altLang="en-US" sz="1525" dirty="0">
               <a:solidFill>
@@ -3776,17 +3776,7 @@
                   <a:latin typeface="微软雅黑" panose="020B0503020204020204" pitchFamily="34" charset="-122"/>
                   <a:ea typeface="微软雅黑" panose="020B0503020204020204" pitchFamily="34" charset="-122"/>
                 </a:rPr>
-                <a:t>并展示</a:t>
-              </a:r>
-              <a:r>
-                <a:rPr lang="zh-CN" altLang="en-US" sz="1050" dirty="0">
-                  <a:solidFill>
-                    <a:srgbClr val="555555"/>
-                  </a:solidFill>
-                  <a:latin typeface="微软雅黑" panose="020B0503020204020204" pitchFamily="34" charset="-122"/>
-                  <a:ea typeface="微软雅黑" panose="020B0503020204020204" pitchFamily="34" charset="-122"/>
-                </a:rPr>
-                <a:t>。</a:t>
+                <a:t>并展示。</a:t>
               </a:r>
               <a:endParaRPr lang="zh-CN" altLang="en-US" sz="1050" dirty="0">
                 <a:solidFill>
@@ -3811,17 +3801,7 @@
                   <a:latin typeface="微软雅黑" panose="020B0503020204020204" pitchFamily="34" charset="-122"/>
                   <a:ea typeface="微软雅黑" panose="020B0503020204020204" pitchFamily="34" charset="-122"/>
                 </a:rPr>
-                <a:t>掌握了</a:t>
-              </a:r>
-              <a:r>
-                <a:rPr lang="zh-CN" altLang="en-US" sz="1050" dirty="0">
-                  <a:solidFill>
-                    <a:srgbClr val="555555"/>
-                  </a:solidFill>
-                  <a:latin typeface="微软雅黑" panose="020B0503020204020204" pitchFamily="34" charset="-122"/>
-                  <a:ea typeface="微软雅黑" panose="020B0503020204020204" pitchFamily="34" charset="-122"/>
-                </a:rPr>
-                <a:t>阅读论文的能力并熟悉机器学习与深度学习的基础知识。</a:t>
+                <a:t>掌握了阅读论文的能力并熟悉机器学习与深度学习的基础知识。</a:t>
               </a:r>
               <a:endParaRPr lang="zh-CN" altLang="en-US" sz="1050" dirty="0">
                 <a:solidFill>
@@ -4160,9 +4140,9 @@
         <p:grpSpPr>
           <a:xfrm>
             <a:off x="2996417" y="5055482"/>
-            <a:ext cx="4563258" cy="5008404"/>
+            <a:ext cx="4563258" cy="5251446"/>
             <a:chOff x="4719" y="7785"/>
-            <a:chExt cx="7186" cy="7887"/>
+            <a:chExt cx="7186" cy="8270"/>
           </a:xfrm>
         </p:grpSpPr>
         <p:grpSp>
@@ -4176,7 +4156,7 @@
               <a:off x="4857" y="8527"/>
               <a:ext cx="7030" cy="1978"/>
               <a:chOff x="3116295" y="5586694"/>
-              <a:chExt cx="5121369" cy="1441242"/>
+              <a:chExt cx="5121369" cy="1441402"/>
             </a:xfrm>
           </p:grpSpPr>
           <p:sp>
@@ -4188,7 +4168,7 @@
             <p:spPr>
               <a:xfrm>
                 <a:off x="3116295" y="5586694"/>
-                <a:ext cx="5009088" cy="351860"/>
+                <a:ext cx="5009088" cy="351920"/>
               </a:xfrm>
               <a:prstGeom prst="rect">
                 <a:avLst/>
@@ -4209,7 +4189,27 @@
                     <a:latin typeface="黑体-简" panose="00000500000000000000" pitchFamily="2" charset="-122"/>
                     <a:ea typeface="黑体-简" panose="00000500000000000000" pitchFamily="2" charset="-122"/>
                   </a:rPr>
-                  <a:t>数据库在线考试系统 </a:t>
+                  <a:t>基于百度云人脸识别 </a:t>
+                </a:r>
+                <a:r>
+                  <a:rPr lang="en-US" altLang="zh-CN" sz="1400" dirty="0">
+                    <a:solidFill>
+                      <a:srgbClr val="323232"/>
+                    </a:solidFill>
+                    <a:latin typeface="黑体-简" panose="00000500000000000000" pitchFamily="2" charset="-122"/>
+                    <a:ea typeface="黑体-简" panose="00000500000000000000" pitchFamily="2" charset="-122"/>
+                  </a:rPr>
+                  <a:t>API </a:t>
+                </a:r>
+                <a:r>
+                  <a:rPr lang="zh-CN" altLang="en-US" sz="1400" dirty="0">
+                    <a:solidFill>
+                      <a:srgbClr val="323232"/>
+                    </a:solidFill>
+                    <a:latin typeface="黑体-简" panose="00000500000000000000" pitchFamily="2" charset="-122"/>
+                    <a:ea typeface="黑体-简" panose="00000500000000000000" pitchFamily="2" charset="-122"/>
+                  </a:rPr>
+                  <a:t>的安卓应用 </a:t>
                 </a:r>
                 <a:r>
                   <a:rPr lang="en-US" altLang="zh-CN" sz="1000" dirty="0" smtClean="0">
@@ -4219,7 +4219,7 @@
                     <a:latin typeface="微软雅黑" panose="020B0503020204020204" pitchFamily="34" charset="-122"/>
                     <a:ea typeface="微软雅黑" panose="020B0503020204020204" pitchFamily="34" charset="-122"/>
                   </a:rPr>
-                  <a:t>2017.10 -- 2018.0</a:t>
+                  <a:t>2017.11</a:t>
                 </a:r>
                 <a:r>
                   <a:rPr lang="en-US" altLang="zh-CN" sz="1000" dirty="0" smtClean="0">
@@ -4229,7 +4229,7 @@
                     <a:latin typeface="微软雅黑" panose="020B0503020204020204" pitchFamily="34" charset="-122"/>
                     <a:ea typeface="微软雅黑" panose="020B0503020204020204" pitchFamily="34" charset="-122"/>
                   </a:rPr>
-                  <a:t>1</a:t>
+                  <a:t> -- 2018.01</a:t>
                 </a:r>
                 <a:endParaRPr lang="en-US" altLang="zh-CN" sz="1000" dirty="0" smtClean="0">
                   <a:solidFill>
@@ -4250,7 +4250,7 @@
             <p:spPr>
               <a:xfrm>
                 <a:off x="3145335" y="5819312"/>
-                <a:ext cx="4701466" cy="382456"/>
+                <a:ext cx="4701466" cy="382522"/>
               </a:xfrm>
               <a:prstGeom prst="rect">
                 <a:avLst/>
@@ -4275,7 +4275,7 @@
                     <a:latin typeface="微软雅黑" panose="020B0503020204020204" pitchFamily="34" charset="-122"/>
                     <a:ea typeface="微软雅黑" panose="020B0503020204020204" pitchFamily="34" charset="-122"/>
                   </a:rPr>
-                  <a:t>Spring boot / MySQL / Mybatis / HTML / jQuery</a:t>
+                  <a:t>Android / Java / Gson</a:t>
                 </a:r>
                 <a:endParaRPr lang="en-US" altLang="zh-CN" sz="1050" dirty="0">
                   <a:solidFill>
@@ -4296,7 +4296,7 @@
             <p:spPr>
               <a:xfrm>
                 <a:off x="3187044" y="6088914"/>
-                <a:ext cx="5050620" cy="939022"/>
+                <a:ext cx="5050620" cy="939182"/>
               </a:xfrm>
               <a:prstGeom prst="rect">
                 <a:avLst/>
@@ -4322,7 +4322,27 @@
                     <a:latin typeface="微软雅黑" panose="020B0503020204020204" pitchFamily="34" charset="-122"/>
                     <a:ea typeface="微软雅黑" panose="020B0503020204020204" pitchFamily="34" charset="-122"/>
                   </a:rPr>
-                  <a:t>支持三种不同的角色登录系统，分别为学生、教师、管理员。</a:t>
+                  <a:t>支持拍照或选择相片后调用百度云 </a:t>
+                </a:r>
+                <a:r>
+                  <a:rPr lang="en-US" altLang="zh-CN" sz="1050" dirty="0">
+                    <a:solidFill>
+                      <a:srgbClr val="555555"/>
+                    </a:solidFill>
+                    <a:latin typeface="微软雅黑" panose="020B0503020204020204" pitchFamily="34" charset="-122"/>
+                    <a:ea typeface="微软雅黑" panose="020B0503020204020204" pitchFamily="34" charset="-122"/>
+                  </a:rPr>
+                  <a:t>API </a:t>
+                </a:r>
+                <a:r>
+                  <a:rPr lang="zh-CN" altLang="en-US" sz="1050" dirty="0">
+                    <a:solidFill>
+                      <a:srgbClr val="555555"/>
+                    </a:solidFill>
+                    <a:latin typeface="微软雅黑" panose="020B0503020204020204" pitchFamily="34" charset="-122"/>
+                    <a:ea typeface="微软雅黑" panose="020B0503020204020204" pitchFamily="34" charset="-122"/>
+                  </a:rPr>
+                  <a:t>进行人脸识别。</a:t>
                 </a:r>
                 <a:endParaRPr lang="zh-CN" altLang="en-US" sz="1050" dirty="0">
                   <a:solidFill>
@@ -4347,7 +4367,17 @@
                     <a:latin typeface="微软雅黑" panose="020B0503020204020204" pitchFamily="34" charset="-122"/>
                     <a:ea typeface="微软雅黑" panose="020B0503020204020204" pitchFamily="34" charset="-122"/>
                   </a:rPr>
-                  <a:t>支持学生考试、教师改卷、查看成绩、题库更新、在线练习等等功能。</a:t>
+                  <a:t>包括人脸库管理、组别管理、人脸查找等功能</a:t>
+                </a:r>
+                <a:r>
+                  <a:rPr lang="zh-CN" altLang="x-none" sz="1050" dirty="0">
+                    <a:solidFill>
+                      <a:srgbClr val="555555"/>
+                    </a:solidFill>
+                    <a:latin typeface="微软雅黑" panose="020B0503020204020204" pitchFamily="34" charset="-122"/>
+                    <a:ea typeface="微软雅黑" panose="020B0503020204020204" pitchFamily="34" charset="-122"/>
+                  </a:rPr>
+                  <a:t>。</a:t>
                 </a:r>
                 <a:endParaRPr lang="zh-CN" altLang="x-none" sz="1050" dirty="0">
                   <a:solidFill>
@@ -4372,7 +4402,7 @@
                     <a:latin typeface="微软雅黑" panose="020B0503020204020204" pitchFamily="34" charset="-122"/>
                     <a:ea typeface="微软雅黑" panose="020B0503020204020204" pitchFamily="34" charset="-122"/>
                   </a:rPr>
-                  <a:t>支持 </a:t>
+                  <a:t>是一次对百度云人脸识别 </a:t>
                 </a:r>
                 <a:r>
                   <a:rPr lang="en-US" altLang="zh-CN" sz="1050" dirty="0">
@@ -4382,17 +4412,17 @@
                     <a:latin typeface="微软雅黑" panose="020B0503020204020204" pitchFamily="34" charset="-122"/>
                     <a:ea typeface="微软雅黑" panose="020B0503020204020204" pitchFamily="34" charset="-122"/>
                   </a:rPr>
-                  <a:t>SQL O</a:t>
-                </a:r>
-                <a:r>
-                  <a:rPr lang="en-US" altLang="zh-CN" sz="1050" dirty="0">
+                  <a:t>API </a:t>
+                </a:r>
+                <a:r>
+                  <a:rPr lang="zh-CN" altLang="en-US" sz="1050" dirty="0">
                     <a:solidFill>
                       <a:srgbClr val="555555"/>
                     </a:solidFill>
                     <a:latin typeface="微软雅黑" panose="020B0503020204020204" pitchFamily="34" charset="-122"/>
                     <a:ea typeface="微软雅黑" panose="020B0503020204020204" pitchFamily="34" charset="-122"/>
                   </a:rPr>
-                  <a:t>nline Judge </a:t>
+                  <a:t>的应用开发</a:t>
                 </a:r>
                 <a:r>
                   <a:rPr lang="zh-CN" altLang="en-US" sz="1050" dirty="0">
@@ -4402,7 +4432,7 @@
                     <a:latin typeface="微软雅黑" panose="020B0503020204020204" pitchFamily="34" charset="-122"/>
                     <a:ea typeface="微软雅黑" panose="020B0503020204020204" pitchFamily="34" charset="-122"/>
                   </a:rPr>
-                  <a:t>的功能。</a:t>
+                  <a:t>。</a:t>
                 </a:r>
                 <a:endParaRPr lang="zh-CN" altLang="en-US" sz="1050" dirty="0">
                   <a:solidFill>
@@ -4471,18 +4501,7 @@
                     <a:ea typeface="微软雅黑" panose="020B0503020204020204" pitchFamily="34" charset="-122"/>
                     <a:sym typeface="+mn-ea"/>
                   </a:rPr>
-                  <a:t>2017.03 -- 2017.0</a:t>
-                </a:r>
-                <a:r>
-                  <a:rPr lang="en-US" altLang="zh-CN" sz="1000" dirty="0" smtClean="0">
-                    <a:solidFill>
-                      <a:srgbClr val="666666"/>
-                    </a:solidFill>
-                    <a:latin typeface="微软雅黑" panose="020B0503020204020204" pitchFamily="34" charset="-122"/>
-                    <a:ea typeface="微软雅黑" panose="020B0503020204020204" pitchFamily="34" charset="-122"/>
-                    <a:sym typeface="+mn-ea"/>
-                  </a:rPr>
-                  <a:t>6</a:t>
+                  <a:t>2017.03 -- 2017.06</a:t>
                 </a:r>
                 <a:endParaRPr lang="en-US" altLang="zh-CN" sz="1000" dirty="0" smtClean="0">
                   <a:solidFill>
@@ -4670,18 +4689,7 @@
                     <a:ea typeface="微软雅黑" panose="020B0503020204020204" pitchFamily="34" charset="-122"/>
                     <a:sym typeface="+mn-ea"/>
                   </a:rPr>
-                  <a:t>、二三树、队列等常见</a:t>
-                </a:r>
-                <a:r>
-                  <a:rPr lang="zh-CN" altLang="en-US" sz="1050" dirty="0">
-                    <a:solidFill>
-                      <a:srgbClr val="555555"/>
-                    </a:solidFill>
-                    <a:latin typeface="微软雅黑" panose="020B0503020204020204" pitchFamily="34" charset="-122"/>
-                    <a:ea typeface="微软雅黑" panose="020B0503020204020204" pitchFamily="34" charset="-122"/>
-                    <a:sym typeface="+mn-ea"/>
-                  </a:rPr>
-                  <a:t>数据结构。</a:t>
+                  <a:t>、二三树、队列等常见数据结构。</a:t>
                 </a:r>
                 <a:endParaRPr lang="zh-CN" altLang="en-US" sz="1050" dirty="0">
                   <a:solidFill>
@@ -4763,9 +4771,9 @@
           <p:grpSpPr>
             <a:xfrm>
               <a:off x="4719" y="12792"/>
-              <a:ext cx="7102" cy="2881"/>
+              <a:ext cx="7102" cy="3263"/>
               <a:chOff x="3102705" y="5592091"/>
-              <a:chExt cx="5173716" cy="2098574"/>
+              <a:chExt cx="5173716" cy="2376634"/>
             </a:xfrm>
           </p:grpSpPr>
           <p:sp>
@@ -4819,18 +4827,7 @@
                     <a:ea typeface="微软雅黑" panose="020B0503020204020204" pitchFamily="34" charset="-122"/>
                     <a:sym typeface="+mn-ea"/>
                   </a:rPr>
-                  <a:t>2017.02</a:t>
-                </a:r>
-                <a:r>
-                  <a:rPr lang="en-US" altLang="zh-CN" sz="1000" dirty="0" smtClean="0">
-                    <a:solidFill>
-                      <a:srgbClr val="666666"/>
-                    </a:solidFill>
-                    <a:latin typeface="微软雅黑" panose="020B0503020204020204" pitchFamily="34" charset="-122"/>
-                    <a:ea typeface="微软雅黑" panose="020B0503020204020204" pitchFamily="34" charset="-122"/>
-                    <a:sym typeface="+mn-ea"/>
-                  </a:rPr>
-                  <a:t> -- 2017.10</a:t>
+                  <a:t>2017.02 -- 2017.10</a:t>
                 </a:r>
                 <a:endParaRPr lang="en-US" altLang="zh-CN" sz="1000" dirty="0" smtClean="0">
                   <a:solidFill>
@@ -4902,7 +4899,7 @@
             <p:spPr>
               <a:xfrm>
                 <a:off x="3267313" y="6195810"/>
-                <a:ext cx="5009018" cy="1494855"/>
+                <a:ext cx="5009018" cy="1772915"/>
               </a:xfrm>
               <a:prstGeom prst="rect">
                 <a:avLst/>
@@ -5086,6 +5083,41 @@
                     <a:ea typeface="微软雅黑" panose="020B0503020204020204" pitchFamily="34" charset="-122"/>
                   </a:rPr>
                   <a:t>实现人脸图像数据集降维；</a:t>
+                </a:r>
+                <a:endParaRPr lang="zh-CN" altLang="en-US" sz="1050" dirty="0">
+                  <a:solidFill>
+                    <a:srgbClr val="555555"/>
+                  </a:solidFill>
+                  <a:latin typeface="微软雅黑" panose="020B0503020204020204" pitchFamily="34" charset="-122"/>
+                  <a:ea typeface="微软雅黑" panose="020B0503020204020204" pitchFamily="34" charset="-122"/>
+                </a:endParaRPr>
+              </a:p>
+              <a:p>
+                <a:pPr indent="0">
+                  <a:lnSpc>
+                    <a:spcPct val="150000"/>
+                  </a:lnSpc>
+                  <a:buNone/>
+                </a:pPr>
+                <a:r>
+                  <a:rPr lang="en-US" altLang="zh-CN" sz="1050" dirty="0">
+                    <a:solidFill>
+                      <a:srgbClr val="555555"/>
+                    </a:solidFill>
+                    <a:latin typeface="微软雅黑" panose="020B0503020204020204" pitchFamily="34" charset="-122"/>
+                    <a:ea typeface="微软雅黑" panose="020B0503020204020204" pitchFamily="34" charset="-122"/>
+                  </a:rPr>
+                  <a:t>K-means </a:t>
+                </a:r>
+                <a:r>
+                  <a:rPr lang="zh-CN" altLang="en-US" sz="1050" dirty="0">
+                    <a:solidFill>
+                      <a:srgbClr val="555555"/>
+                    </a:solidFill>
+                    <a:latin typeface="微软雅黑" panose="020B0503020204020204" pitchFamily="34" charset="-122"/>
+                    <a:ea typeface="微软雅黑" panose="020B0503020204020204" pitchFamily="34" charset="-122"/>
+                  </a:rPr>
+                  <a:t>实现图片有损压缩；</a:t>
                 </a:r>
                 <a:endParaRPr lang="zh-CN" altLang="en-US" sz="1050" dirty="0">
                   <a:solidFill>
@@ -5537,18 +5569,7 @@
                   <a:ea typeface="微软雅黑" panose="020B0503020204020204" pitchFamily="34" charset="-122"/>
                   <a:sym typeface="+mn-ea"/>
                 </a:rPr>
-                <a:t>2015.09</a:t>
-              </a:r>
-              <a:r>
-                <a:rPr lang="en-US" altLang="zh-CN" sz="1000" dirty="0" smtClean="0">
-                  <a:solidFill>
-                    <a:srgbClr val="666666"/>
-                  </a:solidFill>
-                  <a:latin typeface="微软雅黑" panose="020B0503020204020204" pitchFamily="34" charset="-122"/>
-                  <a:ea typeface="微软雅黑" panose="020B0503020204020204" pitchFamily="34" charset="-122"/>
-                  <a:sym typeface="+mn-ea"/>
-                </a:rPr>
-                <a:t> 至今</a:t>
+                <a:t>2015.09 至今</a:t>
               </a:r>
               <a:r>
                 <a:rPr lang="zh-CN" altLang="en-US" sz="1400" dirty="0" smtClean="0">
@@ -5626,17 +5647,7 @@
                   <a:latin typeface="微软雅黑" panose="020B0503020204020204" pitchFamily="34" charset="-122"/>
                   <a:ea typeface="微软雅黑" panose="020B0503020204020204" pitchFamily="34" charset="-122"/>
                 </a:rPr>
-                <a:t>在百步梯技术部任职部长，</a:t>
-              </a:r>
-              <a:r>
-                <a:rPr lang="zh-CN" altLang="en-US" sz="1050" dirty="0">
-                  <a:solidFill>
-                    <a:srgbClr val="555555"/>
-                  </a:solidFill>
-                  <a:latin typeface="微软雅黑" panose="020B0503020204020204" pitchFamily="34" charset="-122"/>
-                  <a:ea typeface="微软雅黑" panose="020B0503020204020204" pitchFamily="34" charset="-122"/>
-                </a:rPr>
-                <a:t>其间参与负责了许多校级 </a:t>
+                <a:t>在百步梯技术部任职部长，其间参与负责了许多校级 </a:t>
               </a:r>
               <a:r>
                 <a:rPr lang="en-US" altLang="zh-CN" sz="1050" dirty="0">
@@ -5656,17 +5667,7 @@
                   <a:latin typeface="微软雅黑" panose="020B0503020204020204" pitchFamily="34" charset="-122"/>
                   <a:ea typeface="微软雅黑" panose="020B0503020204020204" pitchFamily="34" charset="-122"/>
                 </a:rPr>
-                <a:t>项目，包括报名表、创意市集、电影投票、光影盛典、</a:t>
-              </a:r>
-              <a:r>
-                <a:rPr lang="zh-CN" altLang="en-US" sz="1050" dirty="0">
-                  <a:solidFill>
-                    <a:srgbClr val="555555"/>
-                  </a:solidFill>
-                  <a:latin typeface="微软雅黑" panose="020B0503020204020204" pitchFamily="34" charset="-122"/>
-                  <a:ea typeface="微软雅黑" panose="020B0503020204020204" pitchFamily="34" charset="-122"/>
-                </a:rPr>
-                <a:t>毕业季活动等等，培养了与其他部门沟通合作的能力。</a:t>
+                <a:t>项目，包括报名表、创意市集、电影投票、光影盛典、毕业季活动等等，培养了与其他部门沟通合作的能力。</a:t>
               </a:r>
               <a:endParaRPr lang="zh-CN" altLang="en-US" sz="1050" dirty="0">
                 <a:solidFill>
@@ -5702,18 +5703,7 @@
                   <a:ea typeface="微软雅黑" panose="020B0503020204020204" pitchFamily="34" charset="-122"/>
                   <a:sym typeface="+mn-ea"/>
                 </a:rPr>
-                <a:t>到阿里巴巴高校技术</a:t>
-              </a:r>
-              <a:r>
-                <a:rPr lang="zh-CN" altLang="en-US" sz="1050" dirty="0">
-                  <a:solidFill>
-                    <a:srgbClr val="555555"/>
-                  </a:solidFill>
-                  <a:latin typeface="微软雅黑" panose="020B0503020204020204" pitchFamily="34" charset="-122"/>
-                  <a:ea typeface="微软雅黑" panose="020B0503020204020204" pitchFamily="34" charset="-122"/>
-                  <a:sym typeface="+mn-ea"/>
-                </a:rPr>
-                <a:t>联盟技术部任职部长，开展技术培训工作。</a:t>
+                <a:t>到阿里巴巴高校技术联盟技术部任职部长，开展技术培训工作。</a:t>
               </a:r>
               <a:endParaRPr lang="zh-CN" altLang="zh-CN" sz="1050" dirty="0">
                 <a:solidFill>
@@ -5906,8 +5896,8 @@
         </p:nvGrpSpPr>
         <p:grpSpPr>
           <a:xfrm rot="0">
-            <a:off x="207645" y="4626610"/>
-            <a:ext cx="2853055" cy="1119047"/>
+            <a:off x="198755" y="4546600"/>
+            <a:ext cx="2853055" cy="1119079"/>
             <a:chOff x="299" y="5730"/>
             <a:chExt cx="4493" cy="1762"/>
           </a:xfrm>
@@ -5965,7 +5955,7 @@
               <a:off x="376" y="6198"/>
               <a:ext cx="4416" cy="1294"/>
               <a:chOff x="284257" y="3047553"/>
-              <a:chExt cx="2938102" cy="861323"/>
+              <a:chExt cx="2938102" cy="861357"/>
             </a:xfrm>
           </p:grpSpPr>
           <p:sp>
@@ -6037,7 +6027,7 @@
             <p:spPr>
               <a:xfrm>
                 <a:off x="284257" y="3329239"/>
-                <a:ext cx="2763700" cy="579637"/>
+                <a:ext cx="2763700" cy="579671"/>
               </a:xfrm>
               <a:prstGeom prst="rect">
                 <a:avLst/>
@@ -6063,7 +6053,7 @@
                     <a:latin typeface="微软雅黑" panose="020B0503020204020204" pitchFamily="34" charset="-122"/>
                     <a:ea typeface="微软雅黑" panose="020B0503020204020204" pitchFamily="34" charset="-122"/>
                   </a:rPr>
-                  <a:t>具有页面构建能力，能够开发出简单易用的</a:t>
+                  <a:t>具有页面构建能力，能够开发出常见的</a:t>
                 </a:r>
                 <a:r>
                   <a:rPr lang="en-US" altLang="zh-CN" sz="1000" dirty="0">
@@ -6105,7 +6095,7 @@
         </p:nvGrpSpPr>
         <p:grpSpPr>
           <a:xfrm rot="0">
-            <a:off x="162560" y="5873750"/>
+            <a:off x="162560" y="6593840"/>
             <a:ext cx="2719070" cy="1595744"/>
             <a:chOff x="286" y="6565"/>
             <a:chExt cx="4282" cy="2513"/>
@@ -6164,7 +6154,7 @@
               <a:off x="397" y="6963"/>
               <a:ext cx="4171" cy="1281"/>
               <a:chOff x="468603" y="3002718"/>
-              <a:chExt cx="2774851" cy="852639"/>
+              <a:chExt cx="2774851" cy="852769"/>
             </a:xfrm>
           </p:grpSpPr>
           <p:sp>
@@ -6222,7 +6212,7 @@
             <p:spPr>
               <a:xfrm>
                 <a:off x="484334" y="3275742"/>
-                <a:ext cx="2759120" cy="579615"/>
+                <a:ext cx="2759120" cy="579745"/>
               </a:xfrm>
               <a:prstGeom prst="rect">
                 <a:avLst/>
@@ -6249,7 +6239,17 @@
                     <a:latin typeface="微软雅黑" panose="020B0503020204020204" pitchFamily="34" charset="-122"/>
                     <a:ea typeface="微软雅黑" panose="020B0503020204020204" pitchFamily="34" charset="-122"/>
                   </a:rPr>
-                  <a:t>能够理解并使用 TensorFlow 的基础功能，</a:t>
+                  <a:t>能够理解并使用 TensorFlow 的基本</a:t>
+                </a:r>
+                <a:r>
+                  <a:rPr lang="zh-CN" altLang="en-US" sz="1000" dirty="0">
+                    <a:solidFill>
+                      <a:schemeClr val="bg1"/>
+                    </a:solidFill>
+                    <a:latin typeface="微软雅黑" panose="020B0503020204020204" pitchFamily="34" charset="-122"/>
+                    <a:ea typeface="微软雅黑" panose="020B0503020204020204" pitchFamily="34" charset="-122"/>
+                  </a:rPr>
+                  <a:t>功能，</a:t>
                 </a:r>
                 <a:endParaRPr lang="zh-CN" altLang="en-US" sz="1000" dirty="0">
                   <a:solidFill>
@@ -6419,10 +6419,10 @@
         </p:nvGrpSpPr>
         <p:grpSpPr>
           <a:xfrm rot="0">
-            <a:off x="149225" y="7571740"/>
-            <a:ext cx="2694305" cy="1388202"/>
-            <a:chOff x="302" y="10978"/>
-            <a:chExt cx="4243" cy="2186"/>
+            <a:off x="149225" y="8176296"/>
+            <a:ext cx="2670810" cy="845876"/>
+            <a:chOff x="302" y="11832"/>
+            <a:chExt cx="4206" cy="1332"/>
           </a:xfrm>
         </p:grpSpPr>
         <p:sp>
@@ -6433,7 +6433,7 @@
           </p:nvSpPr>
           <p:spPr>
             <a:xfrm>
-              <a:off x="302" y="10978"/>
+              <a:off x="302" y="11832"/>
               <a:ext cx="3046" cy="469"/>
             </a:xfrm>
             <a:prstGeom prst="rect">
@@ -6467,139 +6467,6 @@
             </a:p>
           </p:txBody>
         </p:sp>
-        <p:grpSp>
-          <p:nvGrpSpPr>
-            <p:cNvPr id="118" name="组合 117"/>
-            <p:cNvGrpSpPr/>
-            <p:nvPr/>
-          </p:nvGrpSpPr>
-          <p:grpSpPr>
-            <a:xfrm>
-              <a:off x="434" y="11477"/>
-              <a:ext cx="4111" cy="842"/>
-              <a:chOff x="468601" y="3538362"/>
-              <a:chExt cx="2735235" cy="560296"/>
-            </a:xfrm>
-          </p:grpSpPr>
-          <p:sp>
-            <p:nvSpPr>
-              <p:cNvPr id="119" name="文本框 118"/>
-              <p:cNvSpPr txBox="1"/>
-              <p:nvPr/>
-            </p:nvSpPr>
-            <p:spPr>
-              <a:xfrm>
-                <a:off x="468601" y="3538362"/>
-                <a:ext cx="2720597" cy="372691"/>
-              </a:xfrm>
-              <a:prstGeom prst="rect">
-                <a:avLst/>
-              </a:prstGeom>
-              <a:noFill/>
-            </p:spPr>
-            <p:txBody>
-              <a:bodyPr wrap="square" rtlCol="0">
-                <a:spAutoFit/>
-              </a:bodyPr>
-              <a:lstStyle/>
-              <a:p>
-                <a:r>
-                  <a:rPr lang="en-US" altLang="zh-CN" sz="1720" dirty="0">
-                    <a:solidFill>
-                      <a:schemeClr val="bg1">
-                        <a:lumMod val="85000"/>
-                      </a:schemeClr>
-                    </a:solidFill>
-                    <a:latin typeface="Microsoft YaHei UI Light" panose="020B0502040204020203" pitchFamily="34" charset="-122"/>
-                    <a:ea typeface="Microsoft YaHei UI Light" panose="020B0502040204020203" pitchFamily="34" charset="-122"/>
-                  </a:rPr>
-                  <a:t>Maven</a:t>
-                </a:r>
-                <a:endParaRPr lang="en-US" altLang="zh-CN" sz="1720" dirty="0">
-                  <a:solidFill>
-                    <a:schemeClr val="bg1">
-                      <a:lumMod val="85000"/>
-                    </a:schemeClr>
-                  </a:solidFill>
-                  <a:latin typeface="Microsoft YaHei UI Light" panose="020B0502040204020203" pitchFamily="34" charset="-122"/>
-                  <a:ea typeface="Microsoft YaHei UI Light" panose="020B0502040204020203" pitchFamily="34" charset="-122"/>
-                </a:endParaRPr>
-              </a:p>
-            </p:txBody>
-          </p:sp>
-          <p:sp>
-            <p:nvSpPr>
-              <p:cNvPr id="120" name="文本框 119"/>
-              <p:cNvSpPr txBox="1"/>
-              <p:nvPr/>
-            </p:nvSpPr>
-            <p:spPr>
-              <a:xfrm>
-                <a:off x="468601" y="3841767"/>
-                <a:ext cx="2735235" cy="256891"/>
-              </a:xfrm>
-              <a:prstGeom prst="rect">
-                <a:avLst/>
-              </a:prstGeom>
-              <a:noFill/>
-            </p:spPr>
-            <p:txBody>
-              <a:bodyPr wrap="square" rtlCol="0">
-                <a:spAutoFit/>
-              </a:bodyPr>
-              <a:lstStyle/>
-              <a:p>
-                <a:r>
-                  <a:rPr lang="zh-CN" altLang="en-US" sz="1000" dirty="0">
-                    <a:solidFill>
-                      <a:schemeClr val="bg1"/>
-                    </a:solidFill>
-                    <a:latin typeface="微软雅黑" panose="020B0503020204020204" pitchFamily="34" charset="-122"/>
-                    <a:ea typeface="微软雅黑" panose="020B0503020204020204" pitchFamily="34" charset="-122"/>
-                  </a:rPr>
-                  <a:t>会用 </a:t>
-                </a:r>
-                <a:r>
-                  <a:rPr lang="en-US" altLang="zh-CN" sz="1000" dirty="0">
-                    <a:solidFill>
-                      <a:schemeClr val="bg1"/>
-                    </a:solidFill>
-                    <a:latin typeface="微软雅黑" panose="020B0503020204020204" pitchFamily="34" charset="-122"/>
-                    <a:ea typeface="微软雅黑" panose="020B0503020204020204" pitchFamily="34" charset="-122"/>
-                  </a:rPr>
-                  <a:t>Maven </a:t>
-                </a:r>
-                <a:r>
-                  <a:rPr lang="zh-CN" altLang="en-US" sz="1000" dirty="0">
-                    <a:solidFill>
-                      <a:schemeClr val="bg1"/>
-                    </a:solidFill>
-                    <a:latin typeface="微软雅黑" panose="020B0503020204020204" pitchFamily="34" charset="-122"/>
-                    <a:ea typeface="微软雅黑" panose="020B0503020204020204" pitchFamily="34" charset="-122"/>
-                  </a:rPr>
-                  <a:t>进行项目构建和</a:t>
-                </a:r>
-                <a:r>
-                  <a:rPr lang="zh-CN" altLang="en-US" sz="1000" dirty="0">
-                    <a:solidFill>
-                      <a:schemeClr val="bg1"/>
-                    </a:solidFill>
-                    <a:latin typeface="微软雅黑" panose="020B0503020204020204" pitchFamily="34" charset="-122"/>
-                    <a:ea typeface="微软雅黑" panose="020B0503020204020204" pitchFamily="34" charset="-122"/>
-                  </a:rPr>
-                  <a:t>项目构建</a:t>
-                </a:r>
-                <a:endParaRPr lang="zh-CN" altLang="en-US" sz="1000" dirty="0">
-                  <a:solidFill>
-                    <a:schemeClr val="bg1"/>
-                  </a:solidFill>
-                  <a:latin typeface="微软雅黑" panose="020B0503020204020204" pitchFamily="34" charset="-122"/>
-                  <a:ea typeface="微软雅黑" panose="020B0503020204020204" pitchFamily="34" charset="-122"/>
-                </a:endParaRPr>
-              </a:p>
-            </p:txBody>
-          </p:sp>
-        </p:grpSp>
         <p:grpSp>
           <p:nvGrpSpPr>
             <p:cNvPr id="121" name="组合 120"/>
@@ -6733,7 +6600,7 @@
         <p:grpSpPr>
           <a:xfrm rot="0">
             <a:off x="190500" y="3715385"/>
-            <a:ext cx="2870200" cy="818068"/>
+            <a:ext cx="2870200" cy="818097"/>
             <a:chOff x="376" y="3718"/>
             <a:chExt cx="4520" cy="1288"/>
           </a:xfrm>
@@ -6790,7 +6657,7 @@
               <a:off x="480" y="4081"/>
               <a:ext cx="4416" cy="925"/>
               <a:chOff x="272947" y="3016285"/>
-              <a:chExt cx="2938102" cy="615783"/>
+              <a:chExt cx="2938102" cy="615813"/>
             </a:xfrm>
           </p:grpSpPr>
           <p:sp>
@@ -6802,7 +6669,7 @@
             <p:spPr>
               <a:xfrm>
                 <a:off x="272947" y="3016285"/>
-                <a:ext cx="2938102" cy="372614"/>
+                <a:ext cx="2938102" cy="372713"/>
               </a:xfrm>
               <a:prstGeom prst="rect">
                 <a:avLst/>
@@ -6824,7 +6691,19 @@
                     <a:latin typeface="Microsoft YaHei UI Light" panose="020B0502040204020203" pitchFamily="34" charset="-122"/>
                     <a:ea typeface="Microsoft YaHei UI Light" panose="020B0502040204020203" pitchFamily="34" charset="-122"/>
                   </a:rPr>
-                  <a:t>JAVA / Python </a:t>
+                  <a:t>Java</a:t>
+                </a:r>
+                <a:r>
+                  <a:rPr lang="en-US" altLang="zh-CN" sz="1720" dirty="0">
+                    <a:solidFill>
+                      <a:schemeClr val="bg1">
+                        <a:lumMod val="85000"/>
+                      </a:schemeClr>
+                    </a:solidFill>
+                    <a:latin typeface="Microsoft YaHei UI Light" panose="020B0502040204020203" pitchFamily="34" charset="-122"/>
+                    <a:ea typeface="Microsoft YaHei UI Light" panose="020B0502040204020203" pitchFamily="34" charset="-122"/>
+                  </a:rPr>
+                  <a:t> / Python </a:t>
                 </a:r>
                 <a:r>
                   <a:rPr lang="en-US" altLang="zh-CN" dirty="0">
@@ -6860,7 +6739,7 @@
             <p:spPr>
               <a:xfrm>
                 <a:off x="290910" y="3294660"/>
-                <a:ext cx="2763700" cy="337408"/>
+                <a:ext cx="2763700" cy="337438"/>
               </a:xfrm>
               <a:prstGeom prst="rect">
                 <a:avLst/>
@@ -6885,7 +6764,7 @@
                     <a:latin typeface="微软雅黑" panose="020B0503020204020204" pitchFamily="34" charset="-122"/>
                     <a:ea typeface="微软雅黑" panose="020B0503020204020204" pitchFamily="34" charset="-122"/>
                   </a:rPr>
-                  <a:t>涉猎多种语言</a:t>
+                  <a:t>掌握</a:t>
                 </a:r>
                 <a:r>
                   <a:rPr lang="zh-CN" altLang="en-US" sz="1000" dirty="0">
@@ -6895,7 +6774,7 @@
                     <a:latin typeface="微软雅黑" panose="020B0503020204020204" pitchFamily="34" charset="-122"/>
                     <a:ea typeface="微软雅黑" panose="020B0503020204020204" pitchFamily="34" charset="-122"/>
                   </a:rPr>
-                  <a:t>，</a:t>
+                  <a:t>多种语言，</a:t>
                 </a:r>
                 <a:r>
                   <a:rPr lang="zh-CN" altLang="en-US" sz="1000" dirty="0">
@@ -7179,17 +7058,7 @@
                 <a:latin typeface="黑体-简" panose="00000500000000000000" pitchFamily="2" charset="-122"/>
                 <a:ea typeface="黑体-简" panose="00000500000000000000" pitchFamily="2" charset="-122"/>
               </a:rPr>
-              <a:t>D</a:t>
-            </a:r>
-            <a:r>
-              <a:rPr lang="en-US" altLang="zh-CN" sz="1335" dirty="0">
-                <a:solidFill>
-                  <a:schemeClr val="bg1"/>
-                </a:solidFill>
-                <a:latin typeface="黑体-简" panose="00000500000000000000" pitchFamily="2" charset="-122"/>
-                <a:ea typeface="黑体-简" panose="00000500000000000000" pitchFamily="2" charset="-122"/>
-              </a:rPr>
-              <a:t>emo </a:t>
+              <a:t>Demo </a:t>
             </a:r>
             <a:r>
               <a:rPr lang="zh-CN" altLang="en-US" sz="1335" dirty="0">
@@ -7241,6 +7110,180 @@
           </a:p>
         </p:txBody>
       </p:sp>
+      <p:grpSp>
+        <p:nvGrpSpPr>
+          <p:cNvPr id="3" name="组合 2"/>
+          <p:cNvGrpSpPr/>
+          <p:nvPr/>
+        </p:nvGrpSpPr>
+        <p:grpSpPr>
+          <a:xfrm rot="0">
+            <a:off x="201295" y="5688332"/>
+            <a:ext cx="2853055" cy="896832"/>
+            <a:chOff x="299" y="5744"/>
+            <a:chExt cx="4493" cy="1412"/>
+          </a:xfrm>
+        </p:grpSpPr>
+        <p:sp>
+          <p:nvSpPr>
+            <p:cNvPr id="13" name="文本框 12"/>
+            <p:cNvSpPr txBox="1"/>
+            <p:nvPr/>
+          </p:nvSpPr>
+          <p:spPr>
+            <a:xfrm>
+              <a:off x="299" y="5744"/>
+              <a:ext cx="3046" cy="468"/>
+            </a:xfrm>
+            <a:prstGeom prst="rect">
+              <a:avLst/>
+            </a:prstGeom>
+            <a:noFill/>
+          </p:spPr>
+          <p:txBody>
+            <a:bodyPr wrap="square" rtlCol="0">
+              <a:spAutoFit/>
+            </a:bodyPr>
+            <a:p>
+              <a:r>
+                <a:rPr lang="zh-CN" altLang="en-US" sz="1335" dirty="0">
+                  <a:solidFill>
+                    <a:schemeClr val="bg1"/>
+                  </a:solidFill>
+                  <a:latin typeface="黑体-简" panose="00000500000000000000" pitchFamily="2" charset="-122"/>
+                  <a:ea typeface="黑体-简" panose="00000500000000000000" pitchFamily="2" charset="-122"/>
+                </a:rPr>
+                <a:t>移动</a:t>
+              </a:r>
+              <a:r>
+                <a:rPr lang="zh-CN" altLang="en-US" sz="1335" dirty="0">
+                  <a:solidFill>
+                    <a:schemeClr val="bg1"/>
+                  </a:solidFill>
+                  <a:latin typeface="黑体-简" panose="00000500000000000000" pitchFamily="2" charset="-122"/>
+                  <a:ea typeface="黑体-简" panose="00000500000000000000" pitchFamily="2" charset="-122"/>
+                </a:rPr>
+                <a:t>应用开发</a:t>
+              </a:r>
+              <a:endParaRPr lang="zh-CN" altLang="en-US" sz="1335" dirty="0">
+                <a:solidFill>
+                  <a:schemeClr val="bg1"/>
+                </a:solidFill>
+                <a:latin typeface="黑体-简" panose="00000500000000000000" pitchFamily="2" charset="-122"/>
+                <a:ea typeface="黑体-简" panose="00000500000000000000" pitchFamily="2" charset="-122"/>
+              </a:endParaRPr>
+            </a:p>
+          </p:txBody>
+        </p:sp>
+        <p:grpSp>
+          <p:nvGrpSpPr>
+            <p:cNvPr id="35" name="组合 34"/>
+            <p:cNvGrpSpPr/>
+            <p:nvPr/>
+          </p:nvGrpSpPr>
+          <p:grpSpPr>
+            <a:xfrm>
+              <a:off x="376" y="6198"/>
+              <a:ext cx="4416" cy="958"/>
+              <a:chOff x="284257" y="3047553"/>
+              <a:chExt cx="2938102" cy="637744"/>
+            </a:xfrm>
+          </p:grpSpPr>
+          <p:sp>
+            <p:nvSpPr>
+              <p:cNvPr id="38" name="文本框 37"/>
+              <p:cNvSpPr txBox="1"/>
+              <p:nvPr/>
+            </p:nvSpPr>
+            <p:spPr>
+              <a:xfrm>
+                <a:off x="284257" y="3047553"/>
+                <a:ext cx="2938102" cy="372697"/>
+              </a:xfrm>
+              <a:prstGeom prst="rect">
+                <a:avLst/>
+              </a:prstGeom>
+              <a:noFill/>
+            </p:spPr>
+            <p:txBody>
+              <a:bodyPr wrap="square" rtlCol="0">
+                <a:spAutoFit/>
+              </a:bodyPr>
+              <a:p>
+                <a:r>
+                  <a:rPr lang="en-US" altLang="zh-CN" dirty="0">
+                    <a:solidFill>
+                      <a:schemeClr val="bg1">
+                        <a:lumMod val="85000"/>
+                      </a:schemeClr>
+                    </a:solidFill>
+                    <a:latin typeface="Microsoft YaHei UI Light" panose="020B0502040204020203" pitchFamily="34" charset="-122"/>
+                    <a:ea typeface="Microsoft YaHei UI Light" panose="020B0502040204020203" pitchFamily="34" charset="-122"/>
+                    <a:sym typeface="+mn-ea"/>
+                  </a:rPr>
+                  <a:t>Android</a:t>
+                </a:r>
+                <a:endParaRPr lang="en-US" altLang="zh-CN" dirty="0">
+                  <a:solidFill>
+                    <a:schemeClr val="bg1">
+                      <a:lumMod val="85000"/>
+                    </a:schemeClr>
+                  </a:solidFill>
+                  <a:latin typeface="Microsoft YaHei UI Light" panose="020B0502040204020203" pitchFamily="34" charset="-122"/>
+                  <a:ea typeface="Microsoft YaHei UI Light" panose="020B0502040204020203" pitchFamily="34" charset="-122"/>
+                  <a:sym typeface="+mn-ea"/>
+                </a:endParaRPr>
+              </a:p>
+            </p:txBody>
+          </p:sp>
+          <p:sp>
+            <p:nvSpPr>
+              <p:cNvPr id="40" name="文本框 39"/>
+              <p:cNvSpPr txBox="1"/>
+              <p:nvPr/>
+            </p:nvSpPr>
+            <p:spPr>
+              <a:xfrm>
+                <a:off x="284257" y="3347873"/>
+                <a:ext cx="2763700" cy="337424"/>
+              </a:xfrm>
+              <a:prstGeom prst="rect">
+                <a:avLst/>
+              </a:prstGeom>
+              <a:noFill/>
+            </p:spPr>
+            <p:txBody>
+              <a:bodyPr wrap="square" rtlCol="0">
+                <a:spAutoFit/>
+              </a:bodyPr>
+              <a:p>
+                <a:pPr>
+                  <a:lnSpc>
+                    <a:spcPct val="150000"/>
+                  </a:lnSpc>
+                </a:pPr>
+                <a:r>
+                  <a:rPr lang="zh-CN" altLang="en-US" sz="1000" dirty="0">
+                    <a:solidFill>
+                      <a:schemeClr val="bg1"/>
+                    </a:solidFill>
+                    <a:latin typeface="微软雅黑" panose="020B0503020204020204" pitchFamily="34" charset="-122"/>
+                    <a:ea typeface="微软雅黑" panose="020B0503020204020204" pitchFamily="34" charset="-122"/>
+                  </a:rPr>
+                  <a:t>熟悉安卓开发，具有项目经验</a:t>
+                </a:r>
+                <a:endParaRPr lang="zh-CN" altLang="en-US" sz="1000" dirty="0">
+                  <a:solidFill>
+                    <a:schemeClr val="bg1"/>
+                  </a:solidFill>
+                  <a:latin typeface="微软雅黑" panose="020B0503020204020204" pitchFamily="34" charset="-122"/>
+                  <a:ea typeface="微软雅黑" panose="020B0503020204020204" pitchFamily="34" charset="-122"/>
+                </a:endParaRPr>
+              </a:p>
+            </p:txBody>
+          </p:sp>
+        </p:grpSp>
+      </p:grpSp>
     </p:spTree>
   </p:cSld>
   <p:clrMapOvr>
